--- a/Estructura de Archivos (Apuntes).pptx
+++ b/Estructura de Archivos (Apuntes).pptx
@@ -5,7 +5,7 @@
     <p:sldMasterId id="2147483648" r:id="rId1"/>
   </p:sldMasterIdLst>
   <p:handoutMasterIdLst>
-    <p:handoutMasterId r:id="rId33"/>
+    <p:handoutMasterId r:id="rId35"/>
   </p:handoutMasterIdLst>
   <p:sldIdLst>
     <p:sldId id="256" r:id="rId2"/>
@@ -39,6 +39,8 @@
     <p:sldId id="284" r:id="rId30"/>
     <p:sldId id="285" r:id="rId31"/>
     <p:sldId id="286" r:id="rId32"/>
+    <p:sldId id="287" r:id="rId33"/>
+    <p:sldId id="288" r:id="rId34"/>
   </p:sldIdLst>
   <p:sldSz cx="12192000" cy="6858000"/>
   <p:notesSz cx="6858000" cy="9144000"/>
@@ -246,7 +248,7 @@
           <a:p>
             <a:fld id="{F141F31B-DB21-41C5-8F67-52A46170B1C0}" type="datetimeFigureOut">
               <a:rPr lang="es-MX" smtClean="0"/>
-              <a:t>20/03/2018</a:t>
+              <a:t>19/04/2018</a:t>
             </a:fld>
             <a:endParaRPr lang="es-MX"/>
           </a:p>
@@ -490,7 +492,7 @@
           <a:p>
             <a:fld id="{C5894D8A-5E24-46E0-BF84-3388092823C5}" type="datetimeFigureOut">
               <a:rPr lang="es-MX" smtClean="0"/>
-              <a:t>20/03/2018</a:t>
+              <a:t>19/04/2018</a:t>
             </a:fld>
             <a:endParaRPr lang="es-MX"/>
           </a:p>
@@ -779,7 +781,7 @@
           <a:p>
             <a:fld id="{C5894D8A-5E24-46E0-BF84-3388092823C5}" type="datetimeFigureOut">
               <a:rPr lang="es-MX" smtClean="0"/>
-              <a:t>20/03/2018</a:t>
+              <a:t>19/04/2018</a:t>
             </a:fld>
             <a:endParaRPr lang="es-MX"/>
           </a:p>
@@ -979,7 +981,7 @@
           <a:p>
             <a:fld id="{C5894D8A-5E24-46E0-BF84-3388092823C5}" type="datetimeFigureOut">
               <a:rPr lang="es-MX" smtClean="0"/>
-              <a:t>20/03/2018</a:t>
+              <a:t>19/04/2018</a:t>
             </a:fld>
             <a:endParaRPr lang="es-MX"/>
           </a:p>
@@ -1189,7 +1191,7 @@
           <a:p>
             <a:fld id="{C5894D8A-5E24-46E0-BF84-3388092823C5}" type="datetimeFigureOut">
               <a:rPr lang="es-MX" smtClean="0"/>
-              <a:t>20/03/2018</a:t>
+              <a:t>19/04/2018</a:t>
             </a:fld>
             <a:endParaRPr lang="es-MX"/>
           </a:p>
@@ -1389,7 +1391,7 @@
           <a:p>
             <a:fld id="{C5894D8A-5E24-46E0-BF84-3388092823C5}" type="datetimeFigureOut">
               <a:rPr lang="es-MX" smtClean="0"/>
-              <a:t>20/03/2018</a:t>
+              <a:t>19/04/2018</a:t>
             </a:fld>
             <a:endParaRPr lang="es-MX"/>
           </a:p>
@@ -1665,7 +1667,7 @@
           <a:p>
             <a:fld id="{C5894D8A-5E24-46E0-BF84-3388092823C5}" type="datetimeFigureOut">
               <a:rPr lang="es-MX" smtClean="0"/>
-              <a:t>20/03/2018</a:t>
+              <a:t>19/04/2018</a:t>
             </a:fld>
             <a:endParaRPr lang="es-MX"/>
           </a:p>
@@ -1933,7 +1935,7 @@
           <a:p>
             <a:fld id="{C5894D8A-5E24-46E0-BF84-3388092823C5}" type="datetimeFigureOut">
               <a:rPr lang="es-MX" smtClean="0"/>
-              <a:t>20/03/2018</a:t>
+              <a:t>19/04/2018</a:t>
             </a:fld>
             <a:endParaRPr lang="es-MX"/>
           </a:p>
@@ -2348,7 +2350,7 @@
           <a:p>
             <a:fld id="{C5894D8A-5E24-46E0-BF84-3388092823C5}" type="datetimeFigureOut">
               <a:rPr lang="es-MX" smtClean="0"/>
-              <a:t>20/03/2018</a:t>
+              <a:t>19/04/2018</a:t>
             </a:fld>
             <a:endParaRPr lang="es-MX"/>
           </a:p>
@@ -2490,7 +2492,7 @@
           <a:p>
             <a:fld id="{C5894D8A-5E24-46E0-BF84-3388092823C5}" type="datetimeFigureOut">
               <a:rPr lang="es-MX" smtClean="0"/>
-              <a:t>20/03/2018</a:t>
+              <a:t>19/04/2018</a:t>
             </a:fld>
             <a:endParaRPr lang="es-MX"/>
           </a:p>
@@ -2646,7 +2648,7 @@
           <a:p>
             <a:fld id="{C5894D8A-5E24-46E0-BF84-3388092823C5}" type="datetimeFigureOut">
               <a:rPr lang="es-MX" smtClean="0"/>
-              <a:t>20/03/2018</a:t>
+              <a:t>19/04/2018</a:t>
             </a:fld>
             <a:endParaRPr lang="es-MX"/>
           </a:p>
@@ -2892,7 +2894,7 @@
           <a:p>
             <a:fld id="{C5894D8A-5E24-46E0-BF84-3388092823C5}" type="datetimeFigureOut">
               <a:rPr lang="es-MX" smtClean="0"/>
-              <a:t>20/03/2018</a:t>
+              <a:t>19/04/2018</a:t>
             </a:fld>
             <a:endParaRPr lang="es-MX"/>
           </a:p>
@@ -3205,7 +3207,7 @@
           <a:p>
             <a:fld id="{C5894D8A-5E24-46E0-BF84-3388092823C5}" type="datetimeFigureOut">
               <a:rPr lang="es-MX" smtClean="0"/>
-              <a:t>20/03/2018</a:t>
+              <a:t>19/04/2018</a:t>
             </a:fld>
             <a:endParaRPr lang="es-MX"/>
           </a:p>
@@ -3448,7 +3450,7 @@
           <a:p>
             <a:fld id="{C5894D8A-5E24-46E0-BF84-3388092823C5}" type="datetimeFigureOut">
               <a:rPr lang="es-MX" smtClean="0"/>
-              <a:t>20/03/2018</a:t>
+              <a:t>19/04/2018</a:t>
             </a:fld>
             <a:endParaRPr lang="es-MX"/>
           </a:p>
@@ -16308,6 +16310,269 @@
     <p:extLst>
       <p:ext uri="{BB962C8B-B14F-4D97-AF65-F5344CB8AC3E}">
         <p14:creationId xmlns:p14="http://schemas.microsoft.com/office/powerpoint/2010/main" val="2819350979"/>
+      </p:ext>
+    </p:extLst>
+  </p:cSld>
+  <p:clrMapOvr>
+    <a:masterClrMapping/>
+  </p:clrMapOvr>
+</p:sld>
+</file>
+
+<file path=ppt/slides/slide32.xml><?xml version="1.0" encoding="utf-8"?>
+<p:sld xmlns:a="http://schemas.openxmlformats.org/drawingml/2006/main" xmlns:r="http://schemas.openxmlformats.org/officeDocument/2006/relationships" xmlns:p="http://schemas.openxmlformats.org/presentationml/2006/main">
+  <p:cSld>
+    <p:spTree>
+      <p:nvGrpSpPr>
+        <p:cNvPr id="1" name=""/>
+        <p:cNvGrpSpPr/>
+        <p:nvPr/>
+      </p:nvGrpSpPr>
+      <p:grpSpPr>
+        <a:xfrm>
+          <a:off x="0" y="0"/>
+          <a:ext cx="0" cy="0"/>
+          <a:chOff x="0" y="0"/>
+          <a:chExt cx="0" cy="0"/>
+        </a:xfrm>
+      </p:grpSpPr>
+      <p:sp>
+        <p:nvSpPr>
+          <p:cNvPr id="2" name="Título 1">
+            <a:extLst>
+              <a:ext uri="{FF2B5EF4-FFF2-40B4-BE49-F238E27FC236}">
+                <a16:creationId xmlns:a16="http://schemas.microsoft.com/office/drawing/2014/main" id="{1DAB4940-C97A-4BA6-821C-C3AB8DD4D084}"/>
+              </a:ext>
+            </a:extLst>
+          </p:cNvPr>
+          <p:cNvSpPr>
+            <a:spLocks noGrp="1"/>
+          </p:cNvSpPr>
+          <p:nvPr>
+            <p:ph type="title"/>
+          </p:nvPr>
+        </p:nvSpPr>
+        <p:spPr/>
+        <p:txBody>
+          <a:bodyPr/>
+          <a:lstStyle/>
+          <a:p>
+            <a:r>
+              <a:rPr lang="es-MX" dirty="0"/>
+              <a:t>Actualización en arboles B+ </a:t>
+            </a:r>
+          </a:p>
+        </p:txBody>
+      </p:sp>
+      <p:sp>
+        <p:nvSpPr>
+          <p:cNvPr id="3" name="Marcador de contenido 2">
+            <a:extLst>
+              <a:ext uri="{FF2B5EF4-FFF2-40B4-BE49-F238E27FC236}">
+                <a16:creationId xmlns:a16="http://schemas.microsoft.com/office/drawing/2014/main" id="{67237370-F150-4A5A-A33B-9BBAA764FF9F}"/>
+              </a:ext>
+            </a:extLst>
+          </p:cNvPr>
+          <p:cNvSpPr>
+            <a:spLocks noGrp="1"/>
+          </p:cNvSpPr>
+          <p:nvPr>
+            <p:ph idx="1"/>
+          </p:nvPr>
+        </p:nvSpPr>
+        <p:spPr/>
+        <p:txBody>
+          <a:bodyPr>
+            <a:normAutofit/>
+          </a:bodyPr>
+          <a:lstStyle/>
+          <a:p>
+            <a:r>
+              <a:rPr lang="es-MX" dirty="0"/>
+              <a:t>El borrado y la inserción son operaciones más complicadas que las búsquedas, ya que puede ser necesario dividir un nodo como resultado de una inserción, o fusionar dos nodos si uno se volviera demasiado pequeño. </a:t>
+            </a:r>
+          </a:p>
+          <a:p>
+            <a:r>
+              <a:rPr lang="es-MX" dirty="0"/>
+              <a:t>Cuando se divide o fusiona un par de nodos, se debe asegurar el equilibrio del árbol.</a:t>
+            </a:r>
+          </a:p>
+          <a:p>
+            <a:endParaRPr lang="es-MX" dirty="0"/>
+          </a:p>
+          <a:p>
+            <a:r>
+              <a:rPr lang="es-MX" dirty="0"/>
+              <a:t>Inserción:</a:t>
+            </a:r>
+          </a:p>
+          <a:p>
+            <a:endParaRPr lang="es-MX" dirty="0"/>
+          </a:p>
+          <a:p>
+            <a:r>
+              <a:rPr lang="es-MX" dirty="0"/>
+              <a:t>Se busca un nodo hoja donde tendría que aparecer el valor de la clave de búsqueda.</a:t>
+            </a:r>
+          </a:p>
+          <a:p>
+            <a:r>
+              <a:rPr lang="es-MX" dirty="0"/>
+              <a:t>Si el valor de la clave de </a:t>
+            </a:r>
+            <a:r>
+              <a:rPr lang="es-MX" dirty="0" err="1"/>
+              <a:t>b;usqueda</a:t>
+            </a:r>
+            <a:r>
+              <a:rPr lang="es-MX" dirty="0"/>
+              <a:t> ya </a:t>
+            </a:r>
+            <a:r>
+              <a:rPr lang="es-MX" dirty="0" err="1"/>
+              <a:t>aparace</a:t>
+            </a:r>
+            <a:r>
+              <a:rPr lang="es-MX" dirty="0"/>
+              <a:t> en el nodo hoja, se inserta un nuevo registro en el archivo y, si es  necesario un apuntador en la lista, en caso de ser </a:t>
+            </a:r>
+            <a:r>
+              <a:rPr lang="es-MX" dirty="0" err="1"/>
+              <a:t>indice</a:t>
+            </a:r>
+            <a:r>
+              <a:rPr lang="es-MX" dirty="0"/>
+              <a:t> secundario.</a:t>
+            </a:r>
+          </a:p>
+          <a:p>
+            <a:endParaRPr lang="es-MX" dirty="0"/>
+          </a:p>
+          <a:p>
+            <a:endParaRPr lang="es-MX" dirty="0"/>
+          </a:p>
+        </p:txBody>
+      </p:sp>
+    </p:spTree>
+    <p:extLst>
+      <p:ext uri="{BB962C8B-B14F-4D97-AF65-F5344CB8AC3E}">
+        <p14:creationId xmlns:p14="http://schemas.microsoft.com/office/powerpoint/2010/main" val="2097125306"/>
+      </p:ext>
+    </p:extLst>
+  </p:cSld>
+  <p:clrMapOvr>
+    <a:masterClrMapping/>
+  </p:clrMapOvr>
+</p:sld>
+</file>
+
+<file path=ppt/slides/slide33.xml><?xml version="1.0" encoding="utf-8"?>
+<p:sld xmlns:a="http://schemas.openxmlformats.org/drawingml/2006/main" xmlns:r="http://schemas.openxmlformats.org/officeDocument/2006/relationships" xmlns:p="http://schemas.openxmlformats.org/presentationml/2006/main">
+  <p:cSld>
+    <p:spTree>
+      <p:nvGrpSpPr>
+        <p:cNvPr id="1" name=""/>
+        <p:cNvGrpSpPr/>
+        <p:nvPr/>
+      </p:nvGrpSpPr>
+      <p:grpSpPr>
+        <a:xfrm>
+          <a:off x="0" y="0"/>
+          <a:ext cx="0" cy="0"/>
+          <a:chOff x="0" y="0"/>
+          <a:chExt cx="0" cy="0"/>
+        </a:xfrm>
+      </p:grpSpPr>
+      <p:sp>
+        <p:nvSpPr>
+          <p:cNvPr id="3" name="Marcador de contenido 2">
+            <a:extLst>
+              <a:ext uri="{FF2B5EF4-FFF2-40B4-BE49-F238E27FC236}">
+                <a16:creationId xmlns:a16="http://schemas.microsoft.com/office/drawing/2014/main" id="{F9FC02F0-FB60-4611-8F18-3E6488EF6124}"/>
+              </a:ext>
+            </a:extLst>
+          </p:cNvPr>
+          <p:cNvSpPr>
+            <a:spLocks noGrp="1"/>
+          </p:cNvSpPr>
+          <p:nvPr>
+            <p:ph idx="1"/>
+          </p:nvPr>
+        </p:nvSpPr>
+        <p:spPr/>
+        <p:txBody>
+          <a:bodyPr/>
+          <a:lstStyle/>
+          <a:p>
+            <a:r>
+              <a:rPr lang="es-MX" dirty="0"/>
+              <a:t>Borrado:</a:t>
+            </a:r>
+          </a:p>
+          <a:p>
+            <a:r>
+              <a:rPr lang="es-MX" dirty="0"/>
+              <a:t>Se busca el registro a borrar y se elimina del archivo. Si no existe una lista asociada con el valor de la clave de búsqueda o si la lista se queda </a:t>
+            </a:r>
+            <a:r>
+              <a:rPr lang="es-MX" dirty="0" err="1"/>
+              <a:t>vacia</a:t>
+            </a:r>
+            <a:r>
+              <a:rPr lang="es-MX" dirty="0"/>
+              <a:t> como resultado del borrado, se borra el valor de la clave </a:t>
+            </a:r>
+            <a:r>
+              <a:rPr lang="es-MX" dirty="0" err="1"/>
+              <a:t>bísqueda</a:t>
+            </a:r>
+            <a:r>
+              <a:rPr lang="es-MX" dirty="0"/>
+              <a:t> del nodo hoja.</a:t>
+            </a:r>
+          </a:p>
+          <a:p>
+            <a:endParaRPr lang="es-MX" dirty="0"/>
+          </a:p>
+          <a:p>
+            <a:endParaRPr lang="es-MX" dirty="0"/>
+          </a:p>
+          <a:p>
+            <a:endParaRPr lang="es-MX" dirty="0"/>
+          </a:p>
+          <a:p>
+            <a:endParaRPr lang="es-MX" dirty="0"/>
+          </a:p>
+          <a:p>
+            <a:r>
+              <a:rPr lang="es-MX" dirty="0"/>
+              <a:t>* El apuntador que esta en el tipo de atributo  debe de apuntar al primer nodo del </a:t>
+            </a:r>
+            <a:r>
+              <a:rPr lang="es-MX" dirty="0" err="1"/>
+              <a:t>arbol</a:t>
+            </a:r>
+            <a:r>
+              <a:rPr lang="es-MX" dirty="0"/>
+              <a:t>.</a:t>
+            </a:r>
+          </a:p>
+          <a:p>
+            <a:r>
+              <a:rPr lang="es-MX" dirty="0"/>
+              <a:t>* Las claves de búsqueda se insertan en orden.</a:t>
+            </a:r>
+          </a:p>
+          <a:p>
+            <a:endParaRPr lang="es-MX" dirty="0"/>
+          </a:p>
+        </p:txBody>
+      </p:sp>
+    </p:spTree>
+    <p:extLst>
+      <p:ext uri="{BB962C8B-B14F-4D97-AF65-F5344CB8AC3E}">
+        <p14:creationId xmlns:p14="http://schemas.microsoft.com/office/powerpoint/2010/main" val="2499872217"/>
       </p:ext>
     </p:extLst>
   </p:cSld>
